--- a/ppt 16-9/1163.主的国度真可.pptx
+++ b/ppt 16-9/1163.主的国度真可.pptx
@@ -129,7 +129,7 @@
           <p:cNvPr id="2" name="标题 1">
             <a:extLst>
               <a:ext uri="{FF2B5EF4-FFF2-40B4-BE49-F238E27FC236}">
-                <a16:creationId xmlns:a16="http://schemas.microsoft.com/office/drawing/2014/main" id="{41C9CC93-E70C-F582-1DFD-DD0208DA1AEB}"/>
+                <a16:creationId xmlns:a16="http://schemas.microsoft.com/office/drawing/2014/main" id="{55267B84-6F37-E20F-F80D-703160F3608D}"/>
               </a:ext>
             </a:extLst>
           </p:cNvPr>
@@ -166,7 +166,7 @@
           <p:cNvPr id="3" name="副标题 2">
             <a:extLst>
               <a:ext uri="{FF2B5EF4-FFF2-40B4-BE49-F238E27FC236}">
-                <a16:creationId xmlns:a16="http://schemas.microsoft.com/office/drawing/2014/main" id="{30013EC8-E120-1758-AB47-8EBDE34C6827}"/>
+                <a16:creationId xmlns:a16="http://schemas.microsoft.com/office/drawing/2014/main" id="{D8842256-3B36-8EEC-88F7-8A730A33CF60}"/>
               </a:ext>
             </a:extLst>
           </p:cNvPr>
@@ -236,7 +236,7 @@
           <p:cNvPr id="4" name="日期占位符 3">
             <a:extLst>
               <a:ext uri="{FF2B5EF4-FFF2-40B4-BE49-F238E27FC236}">
-                <a16:creationId xmlns:a16="http://schemas.microsoft.com/office/drawing/2014/main" id="{D2606503-1625-893D-05C1-FD1969C26A6A}"/>
+                <a16:creationId xmlns:a16="http://schemas.microsoft.com/office/drawing/2014/main" id="{4C0040CC-E87D-1FA4-289E-97608437AAF0}"/>
               </a:ext>
             </a:extLst>
           </p:cNvPr>
@@ -252,7 +252,7 @@
           <a:bodyPr/>
           <a:lstStyle/>
           <a:p>
-            <a:fld id="{86AD29F1-CF2B-4041-905E-EBB8659165BB}" type="datetimeFigureOut">
+            <a:fld id="{89405D8A-E31F-469D-AC95-76BC71BFA7CD}" type="datetimeFigureOut">
               <a:rPr lang="zh-CN" altLang="en-US" smtClean="0"/>
               <a:t>2024/3/10</a:t>
             </a:fld>
@@ -265,7 +265,7 @@
           <p:cNvPr id="5" name="页脚占位符 4">
             <a:extLst>
               <a:ext uri="{FF2B5EF4-FFF2-40B4-BE49-F238E27FC236}">
-                <a16:creationId xmlns:a16="http://schemas.microsoft.com/office/drawing/2014/main" id="{981EF29A-4A41-36A3-3B2E-D55B5A534FF6}"/>
+                <a16:creationId xmlns:a16="http://schemas.microsoft.com/office/drawing/2014/main" id="{C8349310-D61E-42E7-EAC3-BB4B4D4891A1}"/>
               </a:ext>
             </a:extLst>
           </p:cNvPr>
@@ -290,7 +290,7 @@
           <p:cNvPr id="6" name="灯片编号占位符 5">
             <a:extLst>
               <a:ext uri="{FF2B5EF4-FFF2-40B4-BE49-F238E27FC236}">
-                <a16:creationId xmlns:a16="http://schemas.microsoft.com/office/drawing/2014/main" id="{221CB116-78E1-FFBA-A2F1-68D8D5FD5FC8}"/>
+                <a16:creationId xmlns:a16="http://schemas.microsoft.com/office/drawing/2014/main" id="{8EEED435-2496-8488-F852-0C71CE36804E}"/>
               </a:ext>
             </a:extLst>
           </p:cNvPr>
@@ -306,7 +306,7 @@
           <a:bodyPr/>
           <a:lstStyle/>
           <a:p>
-            <a:fld id="{B4C5BF1A-0D84-4063-BB21-B151C44671EA}" type="slidenum">
+            <a:fld id="{320D934F-6F1B-412E-BC00-B223D4A9128D}" type="slidenum">
               <a:rPr lang="zh-CN" altLang="en-US" smtClean="0"/>
               <a:t>‹#›</a:t>
             </a:fld>
@@ -317,7 +317,7 @@
     </p:spTree>
     <p:extLst>
       <p:ext uri="{BB962C8B-B14F-4D97-AF65-F5344CB8AC3E}">
-        <p14:creationId xmlns:p14="http://schemas.microsoft.com/office/powerpoint/2010/main" val="392698832"/>
+        <p14:creationId xmlns:p14="http://schemas.microsoft.com/office/powerpoint/2010/main" val="3032703571"/>
       </p:ext>
     </p:extLst>
   </p:cSld>
@@ -349,7 +349,7 @@
           <p:cNvPr id="2" name="标题 1">
             <a:extLst>
               <a:ext uri="{FF2B5EF4-FFF2-40B4-BE49-F238E27FC236}">
-                <a16:creationId xmlns:a16="http://schemas.microsoft.com/office/drawing/2014/main" id="{E81B0009-2040-7385-58C8-251E02E49B58}"/>
+                <a16:creationId xmlns:a16="http://schemas.microsoft.com/office/drawing/2014/main" id="{2D5ABABC-6A2A-0429-F002-EF84BFCD5572}"/>
               </a:ext>
             </a:extLst>
           </p:cNvPr>
@@ -377,7 +377,7 @@
           <p:cNvPr id="3" name="竖排文字占位符 2">
             <a:extLst>
               <a:ext uri="{FF2B5EF4-FFF2-40B4-BE49-F238E27FC236}">
-                <a16:creationId xmlns:a16="http://schemas.microsoft.com/office/drawing/2014/main" id="{EC3DF17D-A21B-C249-1A41-C38960D9729F}"/>
+                <a16:creationId xmlns:a16="http://schemas.microsoft.com/office/drawing/2014/main" id="{D84D5B54-96FF-6545-C6BA-63219D80A329}"/>
               </a:ext>
             </a:extLst>
           </p:cNvPr>
@@ -434,7 +434,7 @@
           <p:cNvPr id="4" name="日期占位符 3">
             <a:extLst>
               <a:ext uri="{FF2B5EF4-FFF2-40B4-BE49-F238E27FC236}">
-                <a16:creationId xmlns:a16="http://schemas.microsoft.com/office/drawing/2014/main" id="{F7E6EBD6-1C80-3D5E-F100-5E522CB01D6F}"/>
+                <a16:creationId xmlns:a16="http://schemas.microsoft.com/office/drawing/2014/main" id="{70AF44F9-BA73-7813-4355-C4D274745BAC}"/>
               </a:ext>
             </a:extLst>
           </p:cNvPr>
@@ -450,7 +450,7 @@
           <a:bodyPr/>
           <a:lstStyle/>
           <a:p>
-            <a:fld id="{86AD29F1-CF2B-4041-905E-EBB8659165BB}" type="datetimeFigureOut">
+            <a:fld id="{89405D8A-E31F-469D-AC95-76BC71BFA7CD}" type="datetimeFigureOut">
               <a:rPr lang="zh-CN" altLang="en-US" smtClean="0"/>
               <a:t>2024/3/10</a:t>
             </a:fld>
@@ -463,7 +463,7 @@
           <p:cNvPr id="5" name="页脚占位符 4">
             <a:extLst>
               <a:ext uri="{FF2B5EF4-FFF2-40B4-BE49-F238E27FC236}">
-                <a16:creationId xmlns:a16="http://schemas.microsoft.com/office/drawing/2014/main" id="{5EB7DAD8-448F-CAF9-78D1-F918D63D8025}"/>
+                <a16:creationId xmlns:a16="http://schemas.microsoft.com/office/drawing/2014/main" id="{9E38E5C7-D852-075A-CB7B-A000813686B8}"/>
               </a:ext>
             </a:extLst>
           </p:cNvPr>
@@ -488,7 +488,7 @@
           <p:cNvPr id="6" name="灯片编号占位符 5">
             <a:extLst>
               <a:ext uri="{FF2B5EF4-FFF2-40B4-BE49-F238E27FC236}">
-                <a16:creationId xmlns:a16="http://schemas.microsoft.com/office/drawing/2014/main" id="{D04CE8CB-8874-B8CB-5B8D-099C17CBF446}"/>
+                <a16:creationId xmlns:a16="http://schemas.microsoft.com/office/drawing/2014/main" id="{10B083A0-4E10-E834-A03D-A33D90CE0AB0}"/>
               </a:ext>
             </a:extLst>
           </p:cNvPr>
@@ -504,7 +504,7 @@
           <a:bodyPr/>
           <a:lstStyle/>
           <a:p>
-            <a:fld id="{B4C5BF1A-0D84-4063-BB21-B151C44671EA}" type="slidenum">
+            <a:fld id="{320D934F-6F1B-412E-BC00-B223D4A9128D}" type="slidenum">
               <a:rPr lang="zh-CN" altLang="en-US" smtClean="0"/>
               <a:t>‹#›</a:t>
             </a:fld>
@@ -515,7 +515,7 @@
     </p:spTree>
     <p:extLst>
       <p:ext uri="{BB962C8B-B14F-4D97-AF65-F5344CB8AC3E}">
-        <p14:creationId xmlns:p14="http://schemas.microsoft.com/office/powerpoint/2010/main" val="3403281248"/>
+        <p14:creationId xmlns:p14="http://schemas.microsoft.com/office/powerpoint/2010/main" val="4156350036"/>
       </p:ext>
     </p:extLst>
   </p:cSld>
@@ -547,7 +547,7 @@
           <p:cNvPr id="2" name="竖排标题 1">
             <a:extLst>
               <a:ext uri="{FF2B5EF4-FFF2-40B4-BE49-F238E27FC236}">
-                <a16:creationId xmlns:a16="http://schemas.microsoft.com/office/drawing/2014/main" id="{4F8307B0-32DE-1554-6D91-5F477AFD8D2F}"/>
+                <a16:creationId xmlns:a16="http://schemas.microsoft.com/office/drawing/2014/main" id="{F7A18643-A4D4-F25B-B057-78610C01318C}"/>
               </a:ext>
             </a:extLst>
           </p:cNvPr>
@@ -580,7 +580,7 @@
           <p:cNvPr id="3" name="竖排文字占位符 2">
             <a:extLst>
               <a:ext uri="{FF2B5EF4-FFF2-40B4-BE49-F238E27FC236}">
-                <a16:creationId xmlns:a16="http://schemas.microsoft.com/office/drawing/2014/main" id="{906617D5-B72B-E486-0D61-771A34566BDF}"/>
+                <a16:creationId xmlns:a16="http://schemas.microsoft.com/office/drawing/2014/main" id="{FB3563DD-8877-E987-FBCB-3D19577071D9}"/>
               </a:ext>
             </a:extLst>
           </p:cNvPr>
@@ -642,7 +642,7 @@
           <p:cNvPr id="4" name="日期占位符 3">
             <a:extLst>
               <a:ext uri="{FF2B5EF4-FFF2-40B4-BE49-F238E27FC236}">
-                <a16:creationId xmlns:a16="http://schemas.microsoft.com/office/drawing/2014/main" id="{6D12F938-806C-05D8-54AD-BDCEBE80E7D1}"/>
+                <a16:creationId xmlns:a16="http://schemas.microsoft.com/office/drawing/2014/main" id="{95528E6A-6D6F-945F-5F01-0B8D5254BAB7}"/>
               </a:ext>
             </a:extLst>
           </p:cNvPr>
@@ -658,7 +658,7 @@
           <a:bodyPr/>
           <a:lstStyle/>
           <a:p>
-            <a:fld id="{86AD29F1-CF2B-4041-905E-EBB8659165BB}" type="datetimeFigureOut">
+            <a:fld id="{89405D8A-E31F-469D-AC95-76BC71BFA7CD}" type="datetimeFigureOut">
               <a:rPr lang="zh-CN" altLang="en-US" smtClean="0"/>
               <a:t>2024/3/10</a:t>
             </a:fld>
@@ -671,7 +671,7 @@
           <p:cNvPr id="5" name="页脚占位符 4">
             <a:extLst>
               <a:ext uri="{FF2B5EF4-FFF2-40B4-BE49-F238E27FC236}">
-                <a16:creationId xmlns:a16="http://schemas.microsoft.com/office/drawing/2014/main" id="{4F679A77-1937-772C-8D90-9779CE9B8371}"/>
+                <a16:creationId xmlns:a16="http://schemas.microsoft.com/office/drawing/2014/main" id="{759C2303-595F-4612-CF79-F51CD1D63507}"/>
               </a:ext>
             </a:extLst>
           </p:cNvPr>
@@ -696,7 +696,7 @@
           <p:cNvPr id="6" name="灯片编号占位符 5">
             <a:extLst>
               <a:ext uri="{FF2B5EF4-FFF2-40B4-BE49-F238E27FC236}">
-                <a16:creationId xmlns:a16="http://schemas.microsoft.com/office/drawing/2014/main" id="{DBB5240C-DBC8-6124-202E-8CA1920E9944}"/>
+                <a16:creationId xmlns:a16="http://schemas.microsoft.com/office/drawing/2014/main" id="{B39FD525-9232-A5BE-0647-A957A3B0B7CE}"/>
               </a:ext>
             </a:extLst>
           </p:cNvPr>
@@ -712,7 +712,7 @@
           <a:bodyPr/>
           <a:lstStyle/>
           <a:p>
-            <a:fld id="{B4C5BF1A-0D84-4063-BB21-B151C44671EA}" type="slidenum">
+            <a:fld id="{320D934F-6F1B-412E-BC00-B223D4A9128D}" type="slidenum">
               <a:rPr lang="zh-CN" altLang="en-US" smtClean="0"/>
               <a:t>‹#›</a:t>
             </a:fld>
@@ -723,7 +723,7 @@
     </p:spTree>
     <p:extLst>
       <p:ext uri="{BB962C8B-B14F-4D97-AF65-F5344CB8AC3E}">
-        <p14:creationId xmlns:p14="http://schemas.microsoft.com/office/powerpoint/2010/main" val="3222113936"/>
+        <p14:creationId xmlns:p14="http://schemas.microsoft.com/office/powerpoint/2010/main" val="4120414662"/>
       </p:ext>
     </p:extLst>
   </p:cSld>
@@ -755,7 +755,7 @@
           <p:cNvPr id="2" name="标题 1">
             <a:extLst>
               <a:ext uri="{FF2B5EF4-FFF2-40B4-BE49-F238E27FC236}">
-                <a16:creationId xmlns:a16="http://schemas.microsoft.com/office/drawing/2014/main" id="{E1A7D5F9-7D64-62F7-A5DC-69A333A6CCA3}"/>
+                <a16:creationId xmlns:a16="http://schemas.microsoft.com/office/drawing/2014/main" id="{4DD4FA19-6B5E-14B8-316B-6DF97BC9B0B8}"/>
               </a:ext>
             </a:extLst>
           </p:cNvPr>
@@ -783,7 +783,7 @@
           <p:cNvPr id="3" name="内容占位符 2">
             <a:extLst>
               <a:ext uri="{FF2B5EF4-FFF2-40B4-BE49-F238E27FC236}">
-                <a16:creationId xmlns:a16="http://schemas.microsoft.com/office/drawing/2014/main" id="{0005581A-7A98-1BDB-2CA0-CDDD399CFE89}"/>
+                <a16:creationId xmlns:a16="http://schemas.microsoft.com/office/drawing/2014/main" id="{533D2F1D-2D1C-CBFD-D979-5C6D6CE92EF9}"/>
               </a:ext>
             </a:extLst>
           </p:cNvPr>
@@ -840,7 +840,7 @@
           <p:cNvPr id="4" name="日期占位符 3">
             <a:extLst>
               <a:ext uri="{FF2B5EF4-FFF2-40B4-BE49-F238E27FC236}">
-                <a16:creationId xmlns:a16="http://schemas.microsoft.com/office/drawing/2014/main" id="{2714875E-D087-09C4-8CCB-B3C70A4405B8}"/>
+                <a16:creationId xmlns:a16="http://schemas.microsoft.com/office/drawing/2014/main" id="{92C8C0AD-FD4C-6F02-3EE8-7FC5FC5688C2}"/>
               </a:ext>
             </a:extLst>
           </p:cNvPr>
@@ -856,7 +856,7 @@
           <a:bodyPr/>
           <a:lstStyle/>
           <a:p>
-            <a:fld id="{86AD29F1-CF2B-4041-905E-EBB8659165BB}" type="datetimeFigureOut">
+            <a:fld id="{89405D8A-E31F-469D-AC95-76BC71BFA7CD}" type="datetimeFigureOut">
               <a:rPr lang="zh-CN" altLang="en-US" smtClean="0"/>
               <a:t>2024/3/10</a:t>
             </a:fld>
@@ -869,7 +869,7 @@
           <p:cNvPr id="5" name="页脚占位符 4">
             <a:extLst>
               <a:ext uri="{FF2B5EF4-FFF2-40B4-BE49-F238E27FC236}">
-                <a16:creationId xmlns:a16="http://schemas.microsoft.com/office/drawing/2014/main" id="{DC6F287F-C0D1-655D-25B7-2D2D9A970755}"/>
+                <a16:creationId xmlns:a16="http://schemas.microsoft.com/office/drawing/2014/main" id="{52B13986-5661-3950-7506-97503719950F}"/>
               </a:ext>
             </a:extLst>
           </p:cNvPr>
@@ -894,7 +894,7 @@
           <p:cNvPr id="6" name="灯片编号占位符 5">
             <a:extLst>
               <a:ext uri="{FF2B5EF4-FFF2-40B4-BE49-F238E27FC236}">
-                <a16:creationId xmlns:a16="http://schemas.microsoft.com/office/drawing/2014/main" id="{268EA8A9-EF6D-DC2A-EA0D-AD2084A1AF84}"/>
+                <a16:creationId xmlns:a16="http://schemas.microsoft.com/office/drawing/2014/main" id="{20AD1ADF-F4BF-3A3A-3E0D-CFB66AE3C9BD}"/>
               </a:ext>
             </a:extLst>
           </p:cNvPr>
@@ -910,7 +910,7 @@
           <a:bodyPr/>
           <a:lstStyle/>
           <a:p>
-            <a:fld id="{B4C5BF1A-0D84-4063-BB21-B151C44671EA}" type="slidenum">
+            <a:fld id="{320D934F-6F1B-412E-BC00-B223D4A9128D}" type="slidenum">
               <a:rPr lang="zh-CN" altLang="en-US" smtClean="0"/>
               <a:t>‹#›</a:t>
             </a:fld>
@@ -921,7 +921,7 @@
     </p:spTree>
     <p:extLst>
       <p:ext uri="{BB962C8B-B14F-4D97-AF65-F5344CB8AC3E}">
-        <p14:creationId xmlns:p14="http://schemas.microsoft.com/office/powerpoint/2010/main" val="3837461143"/>
+        <p14:creationId xmlns:p14="http://schemas.microsoft.com/office/powerpoint/2010/main" val="2916113945"/>
       </p:ext>
     </p:extLst>
   </p:cSld>
@@ -953,7 +953,7 @@
           <p:cNvPr id="2" name="标题 1">
             <a:extLst>
               <a:ext uri="{FF2B5EF4-FFF2-40B4-BE49-F238E27FC236}">
-                <a16:creationId xmlns:a16="http://schemas.microsoft.com/office/drawing/2014/main" id="{7C4B48BC-908A-4A1F-27D4-763ED0069EB0}"/>
+                <a16:creationId xmlns:a16="http://schemas.microsoft.com/office/drawing/2014/main" id="{731AA558-066D-A89A-5B7F-5D221656D69C}"/>
               </a:ext>
             </a:extLst>
           </p:cNvPr>
@@ -990,7 +990,7 @@
           <p:cNvPr id="3" name="文本占位符 2">
             <a:extLst>
               <a:ext uri="{FF2B5EF4-FFF2-40B4-BE49-F238E27FC236}">
-                <a16:creationId xmlns:a16="http://schemas.microsoft.com/office/drawing/2014/main" id="{85DE6838-6B65-6409-34B3-A1D8D0992D07}"/>
+                <a16:creationId xmlns:a16="http://schemas.microsoft.com/office/drawing/2014/main" id="{85574689-A326-F611-6BCF-5F64EA4D7A84}"/>
               </a:ext>
             </a:extLst>
           </p:cNvPr>
@@ -1115,7 +1115,7 @@
           <p:cNvPr id="4" name="日期占位符 3">
             <a:extLst>
               <a:ext uri="{FF2B5EF4-FFF2-40B4-BE49-F238E27FC236}">
-                <a16:creationId xmlns:a16="http://schemas.microsoft.com/office/drawing/2014/main" id="{379A506B-C00C-B814-C12E-ABBA1DC12588}"/>
+                <a16:creationId xmlns:a16="http://schemas.microsoft.com/office/drawing/2014/main" id="{3F695242-B338-685A-FF9F-8735776A0429}"/>
               </a:ext>
             </a:extLst>
           </p:cNvPr>
@@ -1131,7 +1131,7 @@
           <a:bodyPr/>
           <a:lstStyle/>
           <a:p>
-            <a:fld id="{86AD29F1-CF2B-4041-905E-EBB8659165BB}" type="datetimeFigureOut">
+            <a:fld id="{89405D8A-E31F-469D-AC95-76BC71BFA7CD}" type="datetimeFigureOut">
               <a:rPr lang="zh-CN" altLang="en-US" smtClean="0"/>
               <a:t>2024/3/10</a:t>
             </a:fld>
@@ -1144,7 +1144,7 @@
           <p:cNvPr id="5" name="页脚占位符 4">
             <a:extLst>
               <a:ext uri="{FF2B5EF4-FFF2-40B4-BE49-F238E27FC236}">
-                <a16:creationId xmlns:a16="http://schemas.microsoft.com/office/drawing/2014/main" id="{519EA61F-4424-C80D-26A4-27074783E6A8}"/>
+                <a16:creationId xmlns:a16="http://schemas.microsoft.com/office/drawing/2014/main" id="{0102D02A-D016-49D0-E64F-2E244384559B}"/>
               </a:ext>
             </a:extLst>
           </p:cNvPr>
@@ -1169,7 +1169,7 @@
           <p:cNvPr id="6" name="灯片编号占位符 5">
             <a:extLst>
               <a:ext uri="{FF2B5EF4-FFF2-40B4-BE49-F238E27FC236}">
-                <a16:creationId xmlns:a16="http://schemas.microsoft.com/office/drawing/2014/main" id="{BF0FD21C-6426-9699-8468-0346EA1D24C1}"/>
+                <a16:creationId xmlns:a16="http://schemas.microsoft.com/office/drawing/2014/main" id="{12848883-C7A7-1601-11FA-DAE65C5288DF}"/>
               </a:ext>
             </a:extLst>
           </p:cNvPr>
@@ -1185,7 +1185,7 @@
           <a:bodyPr/>
           <a:lstStyle/>
           <a:p>
-            <a:fld id="{B4C5BF1A-0D84-4063-BB21-B151C44671EA}" type="slidenum">
+            <a:fld id="{320D934F-6F1B-412E-BC00-B223D4A9128D}" type="slidenum">
               <a:rPr lang="zh-CN" altLang="en-US" smtClean="0"/>
               <a:t>‹#›</a:t>
             </a:fld>
@@ -1196,7 +1196,7 @@
     </p:spTree>
     <p:extLst>
       <p:ext uri="{BB962C8B-B14F-4D97-AF65-F5344CB8AC3E}">
-        <p14:creationId xmlns:p14="http://schemas.microsoft.com/office/powerpoint/2010/main" val="1352444045"/>
+        <p14:creationId xmlns:p14="http://schemas.microsoft.com/office/powerpoint/2010/main" val="3252552569"/>
       </p:ext>
     </p:extLst>
   </p:cSld>
@@ -1228,7 +1228,7 @@
           <p:cNvPr id="2" name="标题 1">
             <a:extLst>
               <a:ext uri="{FF2B5EF4-FFF2-40B4-BE49-F238E27FC236}">
-                <a16:creationId xmlns:a16="http://schemas.microsoft.com/office/drawing/2014/main" id="{F6EA22B9-2107-A244-5E08-B771849E020E}"/>
+                <a16:creationId xmlns:a16="http://schemas.microsoft.com/office/drawing/2014/main" id="{6CA5E037-30A0-DDCD-D2F2-258D707C08DB}"/>
               </a:ext>
             </a:extLst>
           </p:cNvPr>
@@ -1256,7 +1256,7 @@
           <p:cNvPr id="3" name="内容占位符 2">
             <a:extLst>
               <a:ext uri="{FF2B5EF4-FFF2-40B4-BE49-F238E27FC236}">
-                <a16:creationId xmlns:a16="http://schemas.microsoft.com/office/drawing/2014/main" id="{74F90150-FF62-21F7-049E-C59DCF4A25FD}"/>
+                <a16:creationId xmlns:a16="http://schemas.microsoft.com/office/drawing/2014/main" id="{E1F1B60E-2F6F-9E9B-C69B-3D75B26B2B49}"/>
               </a:ext>
             </a:extLst>
           </p:cNvPr>
@@ -1318,7 +1318,7 @@
           <p:cNvPr id="4" name="内容占位符 3">
             <a:extLst>
               <a:ext uri="{FF2B5EF4-FFF2-40B4-BE49-F238E27FC236}">
-                <a16:creationId xmlns:a16="http://schemas.microsoft.com/office/drawing/2014/main" id="{7B2D9D10-B640-F965-4131-BDC501076243}"/>
+                <a16:creationId xmlns:a16="http://schemas.microsoft.com/office/drawing/2014/main" id="{E6036BFC-5476-A02E-647A-2F9F85000E7E}"/>
               </a:ext>
             </a:extLst>
           </p:cNvPr>
@@ -1380,7 +1380,7 @@
           <p:cNvPr id="5" name="日期占位符 4">
             <a:extLst>
               <a:ext uri="{FF2B5EF4-FFF2-40B4-BE49-F238E27FC236}">
-                <a16:creationId xmlns:a16="http://schemas.microsoft.com/office/drawing/2014/main" id="{FEAE4D20-F4C0-4024-DA4A-323093859ABB}"/>
+                <a16:creationId xmlns:a16="http://schemas.microsoft.com/office/drawing/2014/main" id="{DA7345BA-78DB-2462-D345-F7D0F45E94BE}"/>
               </a:ext>
             </a:extLst>
           </p:cNvPr>
@@ -1396,7 +1396,7 @@
           <a:bodyPr/>
           <a:lstStyle/>
           <a:p>
-            <a:fld id="{86AD29F1-CF2B-4041-905E-EBB8659165BB}" type="datetimeFigureOut">
+            <a:fld id="{89405D8A-E31F-469D-AC95-76BC71BFA7CD}" type="datetimeFigureOut">
               <a:rPr lang="zh-CN" altLang="en-US" smtClean="0"/>
               <a:t>2024/3/10</a:t>
             </a:fld>
@@ -1409,7 +1409,7 @@
           <p:cNvPr id="6" name="页脚占位符 5">
             <a:extLst>
               <a:ext uri="{FF2B5EF4-FFF2-40B4-BE49-F238E27FC236}">
-                <a16:creationId xmlns:a16="http://schemas.microsoft.com/office/drawing/2014/main" id="{DA42726D-DDD9-A64A-4BF6-A570875A6FDD}"/>
+                <a16:creationId xmlns:a16="http://schemas.microsoft.com/office/drawing/2014/main" id="{9AEB6831-8ED9-83FD-F67D-E93693FE81C9}"/>
               </a:ext>
             </a:extLst>
           </p:cNvPr>
@@ -1434,7 +1434,7 @@
           <p:cNvPr id="7" name="灯片编号占位符 6">
             <a:extLst>
               <a:ext uri="{FF2B5EF4-FFF2-40B4-BE49-F238E27FC236}">
-                <a16:creationId xmlns:a16="http://schemas.microsoft.com/office/drawing/2014/main" id="{A7C21FCC-0D60-C001-9BC1-901B36910039}"/>
+                <a16:creationId xmlns:a16="http://schemas.microsoft.com/office/drawing/2014/main" id="{5960C7A7-2309-D632-98D7-843CE992B395}"/>
               </a:ext>
             </a:extLst>
           </p:cNvPr>
@@ -1450,7 +1450,7 @@
           <a:bodyPr/>
           <a:lstStyle/>
           <a:p>
-            <a:fld id="{B4C5BF1A-0D84-4063-BB21-B151C44671EA}" type="slidenum">
+            <a:fld id="{320D934F-6F1B-412E-BC00-B223D4A9128D}" type="slidenum">
               <a:rPr lang="zh-CN" altLang="en-US" smtClean="0"/>
               <a:t>‹#›</a:t>
             </a:fld>
@@ -1461,7 +1461,7 @@
     </p:spTree>
     <p:extLst>
       <p:ext uri="{BB962C8B-B14F-4D97-AF65-F5344CB8AC3E}">
-        <p14:creationId xmlns:p14="http://schemas.microsoft.com/office/powerpoint/2010/main" val="3312901758"/>
+        <p14:creationId xmlns:p14="http://schemas.microsoft.com/office/powerpoint/2010/main" val="2123190560"/>
       </p:ext>
     </p:extLst>
   </p:cSld>
@@ -1493,7 +1493,7 @@
           <p:cNvPr id="2" name="标题 1">
             <a:extLst>
               <a:ext uri="{FF2B5EF4-FFF2-40B4-BE49-F238E27FC236}">
-                <a16:creationId xmlns:a16="http://schemas.microsoft.com/office/drawing/2014/main" id="{4A036593-1B50-DF9E-11E8-F03E3A960719}"/>
+                <a16:creationId xmlns:a16="http://schemas.microsoft.com/office/drawing/2014/main" id="{6DA04E0A-5E4A-C328-50D2-48FA7CD62A6B}"/>
               </a:ext>
             </a:extLst>
           </p:cNvPr>
@@ -1526,7 +1526,7 @@
           <p:cNvPr id="3" name="文本占位符 2">
             <a:extLst>
               <a:ext uri="{FF2B5EF4-FFF2-40B4-BE49-F238E27FC236}">
-                <a16:creationId xmlns:a16="http://schemas.microsoft.com/office/drawing/2014/main" id="{B2DB4ABD-C8C0-545F-856D-1A90A6BD5635}"/>
+                <a16:creationId xmlns:a16="http://schemas.microsoft.com/office/drawing/2014/main" id="{325A042C-74DD-1F97-42C1-B47D3885139E}"/>
               </a:ext>
             </a:extLst>
           </p:cNvPr>
@@ -1597,7 +1597,7 @@
           <p:cNvPr id="4" name="内容占位符 3">
             <a:extLst>
               <a:ext uri="{FF2B5EF4-FFF2-40B4-BE49-F238E27FC236}">
-                <a16:creationId xmlns:a16="http://schemas.microsoft.com/office/drawing/2014/main" id="{B845547E-6565-9C1B-CBC3-241E72C34BB6}"/>
+                <a16:creationId xmlns:a16="http://schemas.microsoft.com/office/drawing/2014/main" id="{2E6706CD-6B69-24A5-A6B2-D7822E78F97F}"/>
               </a:ext>
             </a:extLst>
           </p:cNvPr>
@@ -1659,7 +1659,7 @@
           <p:cNvPr id="5" name="文本占位符 4">
             <a:extLst>
               <a:ext uri="{FF2B5EF4-FFF2-40B4-BE49-F238E27FC236}">
-                <a16:creationId xmlns:a16="http://schemas.microsoft.com/office/drawing/2014/main" id="{B13D8A0C-D6BD-0107-435B-EEC80A2903DD}"/>
+                <a16:creationId xmlns:a16="http://schemas.microsoft.com/office/drawing/2014/main" id="{099F52F4-8BF4-2EF1-0ED4-F7EF8FE3EB3D}"/>
               </a:ext>
             </a:extLst>
           </p:cNvPr>
@@ -1730,7 +1730,7 @@
           <p:cNvPr id="6" name="内容占位符 5">
             <a:extLst>
               <a:ext uri="{FF2B5EF4-FFF2-40B4-BE49-F238E27FC236}">
-                <a16:creationId xmlns:a16="http://schemas.microsoft.com/office/drawing/2014/main" id="{4FB7746B-2767-C2FE-1D67-26092AF9928D}"/>
+                <a16:creationId xmlns:a16="http://schemas.microsoft.com/office/drawing/2014/main" id="{0611B050-9F95-5BEB-07D2-8F0C2A57D610}"/>
               </a:ext>
             </a:extLst>
           </p:cNvPr>
@@ -1792,7 +1792,7 @@
           <p:cNvPr id="7" name="日期占位符 6">
             <a:extLst>
               <a:ext uri="{FF2B5EF4-FFF2-40B4-BE49-F238E27FC236}">
-                <a16:creationId xmlns:a16="http://schemas.microsoft.com/office/drawing/2014/main" id="{E2698305-A2A6-5DF4-AF14-2D078BD5F4A6}"/>
+                <a16:creationId xmlns:a16="http://schemas.microsoft.com/office/drawing/2014/main" id="{1BFD54B6-7180-2E6A-87FA-9B516B87D348}"/>
               </a:ext>
             </a:extLst>
           </p:cNvPr>
@@ -1808,7 +1808,7 @@
           <a:bodyPr/>
           <a:lstStyle/>
           <a:p>
-            <a:fld id="{86AD29F1-CF2B-4041-905E-EBB8659165BB}" type="datetimeFigureOut">
+            <a:fld id="{89405D8A-E31F-469D-AC95-76BC71BFA7CD}" type="datetimeFigureOut">
               <a:rPr lang="zh-CN" altLang="en-US" smtClean="0"/>
               <a:t>2024/3/10</a:t>
             </a:fld>
@@ -1821,7 +1821,7 @@
           <p:cNvPr id="8" name="页脚占位符 7">
             <a:extLst>
               <a:ext uri="{FF2B5EF4-FFF2-40B4-BE49-F238E27FC236}">
-                <a16:creationId xmlns:a16="http://schemas.microsoft.com/office/drawing/2014/main" id="{7DC81407-9FF9-33BE-BD6D-AFE82054DA7E}"/>
+                <a16:creationId xmlns:a16="http://schemas.microsoft.com/office/drawing/2014/main" id="{E50BF817-E98C-36C4-DD7F-22097C0F6766}"/>
               </a:ext>
             </a:extLst>
           </p:cNvPr>
@@ -1846,7 +1846,7 @@
           <p:cNvPr id="9" name="灯片编号占位符 8">
             <a:extLst>
               <a:ext uri="{FF2B5EF4-FFF2-40B4-BE49-F238E27FC236}">
-                <a16:creationId xmlns:a16="http://schemas.microsoft.com/office/drawing/2014/main" id="{2009DDA4-ECF3-61F7-0114-338FD6EF41BA}"/>
+                <a16:creationId xmlns:a16="http://schemas.microsoft.com/office/drawing/2014/main" id="{589FFB02-65A8-0C3D-4500-8AB24671D200}"/>
               </a:ext>
             </a:extLst>
           </p:cNvPr>
@@ -1862,7 +1862,7 @@
           <a:bodyPr/>
           <a:lstStyle/>
           <a:p>
-            <a:fld id="{B4C5BF1A-0D84-4063-BB21-B151C44671EA}" type="slidenum">
+            <a:fld id="{320D934F-6F1B-412E-BC00-B223D4A9128D}" type="slidenum">
               <a:rPr lang="zh-CN" altLang="en-US" smtClean="0"/>
               <a:t>‹#›</a:t>
             </a:fld>
@@ -1873,7 +1873,7 @@
     </p:spTree>
     <p:extLst>
       <p:ext uri="{BB962C8B-B14F-4D97-AF65-F5344CB8AC3E}">
-        <p14:creationId xmlns:p14="http://schemas.microsoft.com/office/powerpoint/2010/main" val="4067119984"/>
+        <p14:creationId xmlns:p14="http://schemas.microsoft.com/office/powerpoint/2010/main" val="3620493080"/>
       </p:ext>
     </p:extLst>
   </p:cSld>
@@ -1905,7 +1905,7 @@
           <p:cNvPr id="2" name="标题 1">
             <a:extLst>
               <a:ext uri="{FF2B5EF4-FFF2-40B4-BE49-F238E27FC236}">
-                <a16:creationId xmlns:a16="http://schemas.microsoft.com/office/drawing/2014/main" id="{F6270B16-0791-8FAA-25F8-F192A155F646}"/>
+                <a16:creationId xmlns:a16="http://schemas.microsoft.com/office/drawing/2014/main" id="{B8F221E8-A3E6-D3F3-E765-5A1873A36030}"/>
               </a:ext>
             </a:extLst>
           </p:cNvPr>
@@ -1933,7 +1933,7 @@
           <p:cNvPr id="3" name="日期占位符 2">
             <a:extLst>
               <a:ext uri="{FF2B5EF4-FFF2-40B4-BE49-F238E27FC236}">
-                <a16:creationId xmlns:a16="http://schemas.microsoft.com/office/drawing/2014/main" id="{4F6BBBE2-AE7D-97C3-E3F4-741E693FDE12}"/>
+                <a16:creationId xmlns:a16="http://schemas.microsoft.com/office/drawing/2014/main" id="{CED3F352-C809-67EA-FF14-2F546DAA2374}"/>
               </a:ext>
             </a:extLst>
           </p:cNvPr>
@@ -1949,7 +1949,7 @@
           <a:bodyPr/>
           <a:lstStyle/>
           <a:p>
-            <a:fld id="{86AD29F1-CF2B-4041-905E-EBB8659165BB}" type="datetimeFigureOut">
+            <a:fld id="{89405D8A-E31F-469D-AC95-76BC71BFA7CD}" type="datetimeFigureOut">
               <a:rPr lang="zh-CN" altLang="en-US" smtClean="0"/>
               <a:t>2024/3/10</a:t>
             </a:fld>
@@ -1962,7 +1962,7 @@
           <p:cNvPr id="4" name="页脚占位符 3">
             <a:extLst>
               <a:ext uri="{FF2B5EF4-FFF2-40B4-BE49-F238E27FC236}">
-                <a16:creationId xmlns:a16="http://schemas.microsoft.com/office/drawing/2014/main" id="{72E493A2-B791-264C-A520-424EE90430A8}"/>
+                <a16:creationId xmlns:a16="http://schemas.microsoft.com/office/drawing/2014/main" id="{47183B22-9F8D-4BA3-911C-E4CD9FEFDE40}"/>
               </a:ext>
             </a:extLst>
           </p:cNvPr>
@@ -1987,7 +1987,7 @@
           <p:cNvPr id="5" name="灯片编号占位符 4">
             <a:extLst>
               <a:ext uri="{FF2B5EF4-FFF2-40B4-BE49-F238E27FC236}">
-                <a16:creationId xmlns:a16="http://schemas.microsoft.com/office/drawing/2014/main" id="{13173538-CC7A-1CE9-BE3A-3B13F79C4C7F}"/>
+                <a16:creationId xmlns:a16="http://schemas.microsoft.com/office/drawing/2014/main" id="{0FD4D556-E2DC-B4BC-C29F-48D4F165094C}"/>
               </a:ext>
             </a:extLst>
           </p:cNvPr>
@@ -2003,7 +2003,7 @@
           <a:bodyPr/>
           <a:lstStyle/>
           <a:p>
-            <a:fld id="{B4C5BF1A-0D84-4063-BB21-B151C44671EA}" type="slidenum">
+            <a:fld id="{320D934F-6F1B-412E-BC00-B223D4A9128D}" type="slidenum">
               <a:rPr lang="zh-CN" altLang="en-US" smtClean="0"/>
               <a:t>‹#›</a:t>
             </a:fld>
@@ -2014,7 +2014,7 @@
     </p:spTree>
     <p:extLst>
       <p:ext uri="{BB962C8B-B14F-4D97-AF65-F5344CB8AC3E}">
-        <p14:creationId xmlns:p14="http://schemas.microsoft.com/office/powerpoint/2010/main" val="2826697095"/>
+        <p14:creationId xmlns:p14="http://schemas.microsoft.com/office/powerpoint/2010/main" val="4041790852"/>
       </p:ext>
     </p:extLst>
   </p:cSld>
@@ -2046,7 +2046,7 @@
           <p:cNvPr id="2" name="日期占位符 1">
             <a:extLst>
               <a:ext uri="{FF2B5EF4-FFF2-40B4-BE49-F238E27FC236}">
-                <a16:creationId xmlns:a16="http://schemas.microsoft.com/office/drawing/2014/main" id="{E2448669-6649-0BFC-5498-73E36AD72618}"/>
+                <a16:creationId xmlns:a16="http://schemas.microsoft.com/office/drawing/2014/main" id="{73A6AD3A-0BB0-F777-344D-454712AFB7F9}"/>
               </a:ext>
             </a:extLst>
           </p:cNvPr>
@@ -2062,7 +2062,7 @@
           <a:bodyPr/>
           <a:lstStyle/>
           <a:p>
-            <a:fld id="{86AD29F1-CF2B-4041-905E-EBB8659165BB}" type="datetimeFigureOut">
+            <a:fld id="{89405D8A-E31F-469D-AC95-76BC71BFA7CD}" type="datetimeFigureOut">
               <a:rPr lang="zh-CN" altLang="en-US" smtClean="0"/>
               <a:t>2024/3/10</a:t>
             </a:fld>
@@ -2075,7 +2075,7 @@
           <p:cNvPr id="3" name="页脚占位符 2">
             <a:extLst>
               <a:ext uri="{FF2B5EF4-FFF2-40B4-BE49-F238E27FC236}">
-                <a16:creationId xmlns:a16="http://schemas.microsoft.com/office/drawing/2014/main" id="{E00AA115-CB8F-4421-E87D-B21A322F40DC}"/>
+                <a16:creationId xmlns:a16="http://schemas.microsoft.com/office/drawing/2014/main" id="{95E8F4EC-4FA7-2F7A-CFCB-1D4CE2890F08}"/>
               </a:ext>
             </a:extLst>
           </p:cNvPr>
@@ -2100,7 +2100,7 @@
           <p:cNvPr id="4" name="灯片编号占位符 3">
             <a:extLst>
               <a:ext uri="{FF2B5EF4-FFF2-40B4-BE49-F238E27FC236}">
-                <a16:creationId xmlns:a16="http://schemas.microsoft.com/office/drawing/2014/main" id="{7C2DFD22-2543-E185-D18F-1853C5D0F817}"/>
+                <a16:creationId xmlns:a16="http://schemas.microsoft.com/office/drawing/2014/main" id="{3F81690F-AF5B-8713-CA9F-746365D2A063}"/>
               </a:ext>
             </a:extLst>
           </p:cNvPr>
@@ -2116,7 +2116,7 @@
           <a:bodyPr/>
           <a:lstStyle/>
           <a:p>
-            <a:fld id="{B4C5BF1A-0D84-4063-BB21-B151C44671EA}" type="slidenum">
+            <a:fld id="{320D934F-6F1B-412E-BC00-B223D4A9128D}" type="slidenum">
               <a:rPr lang="zh-CN" altLang="en-US" smtClean="0"/>
               <a:t>‹#›</a:t>
             </a:fld>
@@ -2127,7 +2127,7 @@
     </p:spTree>
     <p:extLst>
       <p:ext uri="{BB962C8B-B14F-4D97-AF65-F5344CB8AC3E}">
-        <p14:creationId xmlns:p14="http://schemas.microsoft.com/office/powerpoint/2010/main" val="2576626390"/>
+        <p14:creationId xmlns:p14="http://schemas.microsoft.com/office/powerpoint/2010/main" val="2769387823"/>
       </p:ext>
     </p:extLst>
   </p:cSld>
@@ -2159,7 +2159,7 @@
           <p:cNvPr id="2" name="标题 1">
             <a:extLst>
               <a:ext uri="{FF2B5EF4-FFF2-40B4-BE49-F238E27FC236}">
-                <a16:creationId xmlns:a16="http://schemas.microsoft.com/office/drawing/2014/main" id="{53A1C150-D446-FA02-FCB3-FC384559F9C2}"/>
+                <a16:creationId xmlns:a16="http://schemas.microsoft.com/office/drawing/2014/main" id="{F8E6006A-3481-5D56-D0C3-B7FA4B9ADB87}"/>
               </a:ext>
             </a:extLst>
           </p:cNvPr>
@@ -2196,7 +2196,7 @@
           <p:cNvPr id="3" name="内容占位符 2">
             <a:extLst>
               <a:ext uri="{FF2B5EF4-FFF2-40B4-BE49-F238E27FC236}">
-                <a16:creationId xmlns:a16="http://schemas.microsoft.com/office/drawing/2014/main" id="{652518F8-B596-D44E-2FAE-CE0D25676A40}"/>
+                <a16:creationId xmlns:a16="http://schemas.microsoft.com/office/drawing/2014/main" id="{873F4523-9383-4AB7-2B8D-D653A1E27DB6}"/>
               </a:ext>
             </a:extLst>
           </p:cNvPr>
@@ -2286,7 +2286,7 @@
           <p:cNvPr id="4" name="文本占位符 3">
             <a:extLst>
               <a:ext uri="{FF2B5EF4-FFF2-40B4-BE49-F238E27FC236}">
-                <a16:creationId xmlns:a16="http://schemas.microsoft.com/office/drawing/2014/main" id="{D3990324-F1B5-88E5-BBF7-C079280E0D83}"/>
+                <a16:creationId xmlns:a16="http://schemas.microsoft.com/office/drawing/2014/main" id="{F68A7E50-6762-C0E2-2538-6C41C4B02F4A}"/>
               </a:ext>
             </a:extLst>
           </p:cNvPr>
@@ -2357,7 +2357,7 @@
           <p:cNvPr id="5" name="日期占位符 4">
             <a:extLst>
               <a:ext uri="{FF2B5EF4-FFF2-40B4-BE49-F238E27FC236}">
-                <a16:creationId xmlns:a16="http://schemas.microsoft.com/office/drawing/2014/main" id="{82BA1E17-EF27-F2CB-4312-869798DF7CF5}"/>
+                <a16:creationId xmlns:a16="http://schemas.microsoft.com/office/drawing/2014/main" id="{C15A67B3-3984-D526-056D-36EFBF32BA1B}"/>
               </a:ext>
             </a:extLst>
           </p:cNvPr>
@@ -2373,7 +2373,7 @@
           <a:bodyPr/>
           <a:lstStyle/>
           <a:p>
-            <a:fld id="{86AD29F1-CF2B-4041-905E-EBB8659165BB}" type="datetimeFigureOut">
+            <a:fld id="{89405D8A-E31F-469D-AC95-76BC71BFA7CD}" type="datetimeFigureOut">
               <a:rPr lang="zh-CN" altLang="en-US" smtClean="0"/>
               <a:t>2024/3/10</a:t>
             </a:fld>
@@ -2386,7 +2386,7 @@
           <p:cNvPr id="6" name="页脚占位符 5">
             <a:extLst>
               <a:ext uri="{FF2B5EF4-FFF2-40B4-BE49-F238E27FC236}">
-                <a16:creationId xmlns:a16="http://schemas.microsoft.com/office/drawing/2014/main" id="{E8B8565D-5703-1AF1-368F-9EFBA4B91C41}"/>
+                <a16:creationId xmlns:a16="http://schemas.microsoft.com/office/drawing/2014/main" id="{23CEE4A0-299D-872E-636F-F24CDE914751}"/>
               </a:ext>
             </a:extLst>
           </p:cNvPr>
@@ -2411,7 +2411,7 @@
           <p:cNvPr id="7" name="灯片编号占位符 6">
             <a:extLst>
               <a:ext uri="{FF2B5EF4-FFF2-40B4-BE49-F238E27FC236}">
-                <a16:creationId xmlns:a16="http://schemas.microsoft.com/office/drawing/2014/main" id="{96F77C1B-5476-55E3-1BC3-77651ACAB3CE}"/>
+                <a16:creationId xmlns:a16="http://schemas.microsoft.com/office/drawing/2014/main" id="{E02E095F-C476-6491-0277-94BE0D08A764}"/>
               </a:ext>
             </a:extLst>
           </p:cNvPr>
@@ -2427,7 +2427,7 @@
           <a:bodyPr/>
           <a:lstStyle/>
           <a:p>
-            <a:fld id="{B4C5BF1A-0D84-4063-BB21-B151C44671EA}" type="slidenum">
+            <a:fld id="{320D934F-6F1B-412E-BC00-B223D4A9128D}" type="slidenum">
               <a:rPr lang="zh-CN" altLang="en-US" smtClean="0"/>
               <a:t>‹#›</a:t>
             </a:fld>
@@ -2438,7 +2438,7 @@
     </p:spTree>
     <p:extLst>
       <p:ext uri="{BB962C8B-B14F-4D97-AF65-F5344CB8AC3E}">
-        <p14:creationId xmlns:p14="http://schemas.microsoft.com/office/powerpoint/2010/main" val="144150856"/>
+        <p14:creationId xmlns:p14="http://schemas.microsoft.com/office/powerpoint/2010/main" val="113897514"/>
       </p:ext>
     </p:extLst>
   </p:cSld>
@@ -2470,7 +2470,7 @@
           <p:cNvPr id="2" name="标题 1">
             <a:extLst>
               <a:ext uri="{FF2B5EF4-FFF2-40B4-BE49-F238E27FC236}">
-                <a16:creationId xmlns:a16="http://schemas.microsoft.com/office/drawing/2014/main" id="{D3669D57-4C48-9081-88D6-79B8FF70336C}"/>
+                <a16:creationId xmlns:a16="http://schemas.microsoft.com/office/drawing/2014/main" id="{522ADA15-E1F0-CDC8-0E64-9EC75638AA2A}"/>
               </a:ext>
             </a:extLst>
           </p:cNvPr>
@@ -2507,7 +2507,7 @@
           <p:cNvPr id="3" name="图片占位符 2">
             <a:extLst>
               <a:ext uri="{FF2B5EF4-FFF2-40B4-BE49-F238E27FC236}">
-                <a16:creationId xmlns:a16="http://schemas.microsoft.com/office/drawing/2014/main" id="{D9ED46EC-8A2E-2D82-0D36-22DE4451326C}"/>
+                <a16:creationId xmlns:a16="http://schemas.microsoft.com/office/drawing/2014/main" id="{7E641206-9467-7A59-F4DF-14D444D08A5D}"/>
               </a:ext>
             </a:extLst>
           </p:cNvPr>
@@ -2574,7 +2574,7 @@
           <p:cNvPr id="4" name="文本占位符 3">
             <a:extLst>
               <a:ext uri="{FF2B5EF4-FFF2-40B4-BE49-F238E27FC236}">
-                <a16:creationId xmlns:a16="http://schemas.microsoft.com/office/drawing/2014/main" id="{0A1A9BA6-0480-8259-02D4-E843568F164A}"/>
+                <a16:creationId xmlns:a16="http://schemas.microsoft.com/office/drawing/2014/main" id="{95325476-0426-8F0E-A06E-D17737437C03}"/>
               </a:ext>
             </a:extLst>
           </p:cNvPr>
@@ -2645,7 +2645,7 @@
           <p:cNvPr id="5" name="日期占位符 4">
             <a:extLst>
               <a:ext uri="{FF2B5EF4-FFF2-40B4-BE49-F238E27FC236}">
-                <a16:creationId xmlns:a16="http://schemas.microsoft.com/office/drawing/2014/main" id="{D3925719-14D9-B1A6-E047-15D5E9A4C4E7}"/>
+                <a16:creationId xmlns:a16="http://schemas.microsoft.com/office/drawing/2014/main" id="{9B0148CA-2773-55AF-717F-72CDBAF8F816}"/>
               </a:ext>
             </a:extLst>
           </p:cNvPr>
@@ -2661,7 +2661,7 @@
           <a:bodyPr/>
           <a:lstStyle/>
           <a:p>
-            <a:fld id="{86AD29F1-CF2B-4041-905E-EBB8659165BB}" type="datetimeFigureOut">
+            <a:fld id="{89405D8A-E31F-469D-AC95-76BC71BFA7CD}" type="datetimeFigureOut">
               <a:rPr lang="zh-CN" altLang="en-US" smtClean="0"/>
               <a:t>2024/3/10</a:t>
             </a:fld>
@@ -2674,7 +2674,7 @@
           <p:cNvPr id="6" name="页脚占位符 5">
             <a:extLst>
               <a:ext uri="{FF2B5EF4-FFF2-40B4-BE49-F238E27FC236}">
-                <a16:creationId xmlns:a16="http://schemas.microsoft.com/office/drawing/2014/main" id="{8C0560DC-742E-43C3-AFC1-210A85C366E4}"/>
+                <a16:creationId xmlns:a16="http://schemas.microsoft.com/office/drawing/2014/main" id="{3D91E0F0-081D-52D5-077C-301EAD60C0D7}"/>
               </a:ext>
             </a:extLst>
           </p:cNvPr>
@@ -2699,7 +2699,7 @@
           <p:cNvPr id="7" name="灯片编号占位符 6">
             <a:extLst>
               <a:ext uri="{FF2B5EF4-FFF2-40B4-BE49-F238E27FC236}">
-                <a16:creationId xmlns:a16="http://schemas.microsoft.com/office/drawing/2014/main" id="{F3321EE7-37FB-B87C-482C-2C0192B00489}"/>
+                <a16:creationId xmlns:a16="http://schemas.microsoft.com/office/drawing/2014/main" id="{12E7239A-FC2C-3694-FA53-6761B6236EB0}"/>
               </a:ext>
             </a:extLst>
           </p:cNvPr>
@@ -2715,7 +2715,7 @@
           <a:bodyPr/>
           <a:lstStyle/>
           <a:p>
-            <a:fld id="{B4C5BF1A-0D84-4063-BB21-B151C44671EA}" type="slidenum">
+            <a:fld id="{320D934F-6F1B-412E-BC00-B223D4A9128D}" type="slidenum">
               <a:rPr lang="zh-CN" altLang="en-US" smtClean="0"/>
               <a:t>‹#›</a:t>
             </a:fld>
@@ -2726,7 +2726,7 @@
     </p:spTree>
     <p:extLst>
       <p:ext uri="{BB962C8B-B14F-4D97-AF65-F5344CB8AC3E}">
-        <p14:creationId xmlns:p14="http://schemas.microsoft.com/office/powerpoint/2010/main" val="3091314003"/>
+        <p14:creationId xmlns:p14="http://schemas.microsoft.com/office/powerpoint/2010/main" val="2438915435"/>
       </p:ext>
     </p:extLst>
   </p:cSld>
@@ -2763,7 +2763,7 @@
           <p:cNvPr id="2" name="标题占位符 1">
             <a:extLst>
               <a:ext uri="{FF2B5EF4-FFF2-40B4-BE49-F238E27FC236}">
-                <a16:creationId xmlns:a16="http://schemas.microsoft.com/office/drawing/2014/main" id="{167E7628-3BA9-E4EF-8F3B-512281C26C6B}"/>
+                <a16:creationId xmlns:a16="http://schemas.microsoft.com/office/drawing/2014/main" id="{FBA45B89-A4E3-25E0-6FF6-9A7BEAA1EDF9}"/>
               </a:ext>
             </a:extLst>
           </p:cNvPr>
@@ -2801,7 +2801,7 @@
           <p:cNvPr id="3" name="文本占位符 2">
             <a:extLst>
               <a:ext uri="{FF2B5EF4-FFF2-40B4-BE49-F238E27FC236}">
-                <a16:creationId xmlns:a16="http://schemas.microsoft.com/office/drawing/2014/main" id="{0A0D39EC-9725-B95F-5FD9-34F1E36976AD}"/>
+                <a16:creationId xmlns:a16="http://schemas.microsoft.com/office/drawing/2014/main" id="{4F3C698D-F0EA-0DFF-3D88-126417CBE090}"/>
               </a:ext>
             </a:extLst>
           </p:cNvPr>
@@ -2868,7 +2868,7 @@
           <p:cNvPr id="4" name="日期占位符 3">
             <a:extLst>
               <a:ext uri="{FF2B5EF4-FFF2-40B4-BE49-F238E27FC236}">
-                <a16:creationId xmlns:a16="http://schemas.microsoft.com/office/drawing/2014/main" id="{7FA51AD7-4CE3-823E-0040-C5CF934F5FFB}"/>
+                <a16:creationId xmlns:a16="http://schemas.microsoft.com/office/drawing/2014/main" id="{9B3C5BD3-560B-39A4-C074-1764EA8742E1}"/>
               </a:ext>
             </a:extLst>
           </p:cNvPr>
@@ -2902,7 +2902,7 @@
             </a:lvl1pPr>
           </a:lstStyle>
           <a:p>
-            <a:fld id="{86AD29F1-CF2B-4041-905E-EBB8659165BB}" type="datetimeFigureOut">
+            <a:fld id="{89405D8A-E31F-469D-AC95-76BC71BFA7CD}" type="datetimeFigureOut">
               <a:rPr lang="zh-CN" altLang="en-US" smtClean="0"/>
               <a:t>2024/3/10</a:t>
             </a:fld>
@@ -2915,7 +2915,7 @@
           <p:cNvPr id="5" name="页脚占位符 4">
             <a:extLst>
               <a:ext uri="{FF2B5EF4-FFF2-40B4-BE49-F238E27FC236}">
-                <a16:creationId xmlns:a16="http://schemas.microsoft.com/office/drawing/2014/main" id="{0B4786A5-6287-1E96-E27D-32BD023397D8}"/>
+                <a16:creationId xmlns:a16="http://schemas.microsoft.com/office/drawing/2014/main" id="{07927477-1153-5C20-7D6B-AFFD56F94C75}"/>
               </a:ext>
             </a:extLst>
           </p:cNvPr>
@@ -2958,7 +2958,7 @@
           <p:cNvPr id="6" name="灯片编号占位符 5">
             <a:extLst>
               <a:ext uri="{FF2B5EF4-FFF2-40B4-BE49-F238E27FC236}">
-                <a16:creationId xmlns:a16="http://schemas.microsoft.com/office/drawing/2014/main" id="{27DC22B3-2A2A-2E14-88B7-B914B29707F8}"/>
+                <a16:creationId xmlns:a16="http://schemas.microsoft.com/office/drawing/2014/main" id="{C9FE3B81-591F-A5B0-6B32-C1F538512600}"/>
               </a:ext>
             </a:extLst>
           </p:cNvPr>
@@ -2992,7 +2992,7 @@
             </a:lvl1pPr>
           </a:lstStyle>
           <a:p>
-            <a:fld id="{B4C5BF1A-0D84-4063-BB21-B151C44671EA}" type="slidenum">
+            <a:fld id="{320D934F-6F1B-412E-BC00-B223D4A9128D}" type="slidenum">
               <a:rPr lang="zh-CN" altLang="en-US" smtClean="0"/>
               <a:t>‹#›</a:t>
             </a:fld>
@@ -3003,7 +3003,7 @@
     </p:spTree>
     <p:extLst>
       <p:ext uri="{BB962C8B-B14F-4D97-AF65-F5344CB8AC3E}">
-        <p14:creationId xmlns:p14="http://schemas.microsoft.com/office/powerpoint/2010/main" val="916904087"/>
+        <p14:creationId xmlns:p14="http://schemas.microsoft.com/office/powerpoint/2010/main" val="2377431135"/>
       </p:ext>
     </p:extLst>
   </p:cSld>
